--- a/Cisco-cyber.pptx
+++ b/Cisco-cyber.pptx
@@ -10,6 +10,8 @@
     <p:sldId id="259" r:id="rId4"/>
     <p:sldId id="257" r:id="rId5"/>
     <p:sldId id="260" r:id="rId6"/>
+    <p:sldId id="261" r:id="rId7"/>
+    <p:sldId id="262" r:id="rId8"/>
   </p:sldIdLst>
   <p:sldSz cx="12192000" cy="6858000"/>
   <p:notesSz cx="6858000" cy="9144000"/>
@@ -114,6 +116,324 @@
     </p:ext>
   </p:extLst>
 </p:presentation>
+</file>
+
+<file path=ppt/ink/ink1.xml><?xml version="1.0" encoding="utf-8"?>
+<inkml:ink xmlns:inkml="http://www.w3.org/2003/InkML">
+  <inkml:definitions>
+    <inkml:context xml:id="ctx0">
+      <inkml:inkSource xml:id="inkSrc0">
+        <inkml:traceFormat>
+          <inkml:channel name="X" type="integer" min="-2.14748E9" max="2.14748E9" units="cm"/>
+          <inkml:channel name="Y" type="integer" min="-2.14748E9" max="2.14748E9" units="cm"/>
+        </inkml:traceFormat>
+        <inkml:channelProperties>
+          <inkml:channelProperty channel="X" name="resolution" value="1000" units="1/cm"/>
+          <inkml:channelProperty channel="Y" name="resolution" value="1000" units="1/cm"/>
+        </inkml:channelProperties>
+      </inkml:inkSource>
+      <inkml:timestamp xml:id="ts0" timeString="2023-01-07T14:18:04.667"/>
+    </inkml:context>
+    <inkml:brush xml:id="br0">
+      <inkml:brushProperty name="width" value="0.3" units="cm"/>
+      <inkml:brushProperty name="height" value="0.6" units="cm"/>
+      <inkml:brushProperty name="color" value="#FFFFFF"/>
+      <inkml:brushProperty name="tip" value="rectangle"/>
+      <inkml:brushProperty name="rasterOp" value="maskPen"/>
+      <inkml:brushProperty name="ignorePressure" value="1"/>
+    </inkml:brush>
+  </inkml:definitions>
+  <inkml:trace contextRef="#ctx0" brushRef="#br0">1 1,'43'3,"1"2,-1 2,77 23,-68-16,160 48,-187-56,-1-1,48 4,-62-9</inkml:trace>
+</inkml:ink>
+</file>
+
+<file path=ppt/ink/ink10.xml><?xml version="1.0" encoding="utf-8"?>
+<inkml:ink xmlns:inkml="http://www.w3.org/2003/InkML">
+  <inkml:definitions>
+    <inkml:context xml:id="ctx0">
+      <inkml:inkSource xml:id="inkSrc0">
+        <inkml:traceFormat>
+          <inkml:channel name="X" type="integer" min="-2.14748E9" max="2.14748E9" units="cm"/>
+          <inkml:channel name="Y" type="integer" min="-2.14748E9" max="2.14748E9" units="cm"/>
+        </inkml:traceFormat>
+        <inkml:channelProperties>
+          <inkml:channelProperty channel="X" name="resolution" value="1000" units="1/cm"/>
+          <inkml:channelProperty channel="Y" name="resolution" value="1000" units="1/cm"/>
+        </inkml:channelProperties>
+      </inkml:inkSource>
+      <inkml:timestamp xml:id="ts0" timeString="2023-01-07T14:18:13.773"/>
+    </inkml:context>
+    <inkml:brush xml:id="br0">
+      <inkml:brushProperty name="width" value="0.3" units="cm"/>
+      <inkml:brushProperty name="height" value="0.6" units="cm"/>
+      <inkml:brushProperty name="color" value="#FFFFFF"/>
+      <inkml:brushProperty name="tip" value="rectangle"/>
+      <inkml:brushProperty name="rasterOp" value="maskPen"/>
+      <inkml:brushProperty name="ignorePressure" value="1"/>
+    </inkml:brush>
+  </inkml:definitions>
+  <inkml:trace contextRef="#ctx0" brushRef="#br0">0 1,'4'0,"5"0,1 0</inkml:trace>
+</inkml:ink>
+</file>
+
+<file path=ppt/ink/ink11.xml><?xml version="1.0" encoding="utf-8"?>
+<inkml:ink xmlns:inkml="http://www.w3.org/2003/InkML">
+  <inkml:definitions>
+    <inkml:context xml:id="ctx0">
+      <inkml:inkSource xml:id="inkSrc0">
+        <inkml:traceFormat>
+          <inkml:channel name="X" type="integer" min="-2.14748E9" max="2.14748E9" units="cm"/>
+          <inkml:channel name="Y" type="integer" min="-2.14748E9" max="2.14748E9" units="cm"/>
+          <inkml:channel name="F" type="integer" max="32767" units="dev"/>
+        </inkml:traceFormat>
+        <inkml:channelProperties>
+          <inkml:channelProperty channel="X" name="resolution" value="1000" units="1/cm"/>
+          <inkml:channelProperty channel="Y" name="resolution" value="1000" units="1/cm"/>
+          <inkml:channelProperty channel="F" name="resolution" value="0" units="1/dev"/>
+        </inkml:channelProperties>
+      </inkml:inkSource>
+      <inkml:timestamp xml:id="ts0" timeString="2023-01-07T14:18:25.738"/>
+    </inkml:context>
+    <inkml:brush xml:id="br0">
+      <inkml:brushProperty name="width" value="0.35" units="cm"/>
+      <inkml:brushProperty name="height" value="0.35" units="cm"/>
+      <inkml:brushProperty name="color" value="#FFFFFF"/>
+    </inkml:brush>
+  </inkml:definitions>
+  <inkml:trace contextRef="#ctx0" brushRef="#br0">105 134 24575,'-19'-49'0,"17"41"0,0 0 0,0 0 0,-1 0 0,0 1 0,-1-1 0,1 1 0,-7-9 0,10 15 0,-1 0 0,0 0 0,0 0 0,0 0 0,0 0 0,0 0 0,0 0 0,0 1 0,0-1 0,0 0 0,0 0 0,0 1 0,0-1 0,-1 1 0,1-1 0,0 1 0,0-1 0,-1 1 0,1 0 0,-2-1 0,1 2 0,0 0 0,0-1 0,1 1 0,-1 0 0,1 0 0,-1 0 0,1 0 0,-1 0 0,1 0 0,-1 0 0,1 0 0,0 0 0,0 1 0,-1-1 0,1 1 0,0-1 0,0 1 0,0-1 0,1 1 0,-2 2 0,2-4 0,-1 1 0,1 0 0,-1-1 0,1 1 0,0 0 0,-1 0 0,1-1 0,0 1 0,0 0 0,0 0 0,0-1 0,-1 1 0,1 0 0,0 0 0,0 0 0,0-1 0,1 1 0,-1 0 0,0 0 0,0 0 0,0-1 0,0 1 0,1 0 0,-1 0 0,0-1 0,1 1 0,-1 0 0,1-1 0,0 2 0,25 10 0,39-8 0,-61-4 0,14-1 0,-1-1 0,34-8 0,-32 6 0,-1 0 0,27-1 0,71-7 0,-45 3 0,-55 9-170,1 1-1,-1 1 0,0 0 1,0 1-1,0 1 0,0 0 1,24 11-1</inkml:trace>
+</inkml:ink>
+</file>
+
+<file path=ppt/ink/ink2.xml><?xml version="1.0" encoding="utf-8"?>
+<inkml:ink xmlns:inkml="http://www.w3.org/2003/InkML">
+  <inkml:definitions>
+    <inkml:context xml:id="ctx0">
+      <inkml:inkSource xml:id="inkSrc0">
+        <inkml:traceFormat>
+          <inkml:channel name="X" type="integer" min="-2.14748E9" max="2.14748E9" units="cm"/>
+          <inkml:channel name="Y" type="integer" min="-2.14748E9" max="2.14748E9" units="cm"/>
+        </inkml:traceFormat>
+        <inkml:channelProperties>
+          <inkml:channelProperty channel="X" name="resolution" value="1000" units="1/cm"/>
+          <inkml:channelProperty channel="Y" name="resolution" value="1000" units="1/cm"/>
+        </inkml:channelProperties>
+      </inkml:inkSource>
+      <inkml:timestamp xml:id="ts0" timeString="2023-01-07T14:18:07.618"/>
+    </inkml:context>
+    <inkml:brush xml:id="br0">
+      <inkml:brushProperty name="width" value="0.3" units="cm"/>
+      <inkml:brushProperty name="height" value="0.6" units="cm"/>
+      <inkml:brushProperty name="color" value="#FFFFFF"/>
+      <inkml:brushProperty name="tip" value="rectangle"/>
+      <inkml:brushProperty name="rasterOp" value="maskPen"/>
+      <inkml:brushProperty name="ignorePressure" value="1"/>
+    </inkml:brush>
+  </inkml:definitions>
+  <inkml:trace contextRef="#ctx0" brushRef="#br0">1 0,'0'0</inkml:trace>
+</inkml:ink>
+</file>
+
+<file path=ppt/ink/ink3.xml><?xml version="1.0" encoding="utf-8"?>
+<inkml:ink xmlns:inkml="http://www.w3.org/2003/InkML">
+  <inkml:definitions>
+    <inkml:context xml:id="ctx0">
+      <inkml:inkSource xml:id="inkSrc0">
+        <inkml:traceFormat>
+          <inkml:channel name="X" type="integer" min="-2.14748E9" max="2.14748E9" units="cm"/>
+          <inkml:channel name="Y" type="integer" min="-2.14748E9" max="2.14748E9" units="cm"/>
+        </inkml:traceFormat>
+        <inkml:channelProperties>
+          <inkml:channelProperty channel="X" name="resolution" value="1000" units="1/cm"/>
+          <inkml:channelProperty channel="Y" name="resolution" value="1000" units="1/cm"/>
+        </inkml:channelProperties>
+      </inkml:inkSource>
+      <inkml:timestamp xml:id="ts0" timeString="2023-01-07T14:18:08.210"/>
+    </inkml:context>
+    <inkml:brush xml:id="br0">
+      <inkml:brushProperty name="width" value="0.3" units="cm"/>
+      <inkml:brushProperty name="height" value="0.6" units="cm"/>
+      <inkml:brushProperty name="color" value="#FFFFFF"/>
+      <inkml:brushProperty name="tip" value="rectangle"/>
+      <inkml:brushProperty name="rasterOp" value="maskPen"/>
+      <inkml:brushProperty name="ignorePressure" value="1"/>
+    </inkml:brush>
+  </inkml:definitions>
+  <inkml:trace contextRef="#ctx0" brushRef="#br0">1 49,'97'0,"317"-15,-364 9,300-21,-329 27</inkml:trace>
+</inkml:ink>
+</file>
+
+<file path=ppt/ink/ink4.xml><?xml version="1.0" encoding="utf-8"?>
+<inkml:ink xmlns:inkml="http://www.w3.org/2003/InkML">
+  <inkml:definitions>
+    <inkml:context xml:id="ctx0">
+      <inkml:inkSource xml:id="inkSrc0">
+        <inkml:traceFormat>
+          <inkml:channel name="X" type="integer" min="-2.14748E9" max="2.14748E9" units="cm"/>
+          <inkml:channel name="Y" type="integer" min="-2.14748E9" max="2.14748E9" units="cm"/>
+        </inkml:traceFormat>
+        <inkml:channelProperties>
+          <inkml:channelProperty channel="X" name="resolution" value="1000" units="1/cm"/>
+          <inkml:channelProperty channel="Y" name="resolution" value="1000" units="1/cm"/>
+        </inkml:channelProperties>
+      </inkml:inkSource>
+      <inkml:timestamp xml:id="ts0" timeString="2023-01-07T14:18:09.091"/>
+    </inkml:context>
+    <inkml:brush xml:id="br0">
+      <inkml:brushProperty name="width" value="0.3" units="cm"/>
+      <inkml:brushProperty name="height" value="0.6" units="cm"/>
+      <inkml:brushProperty name="color" value="#FFFFFF"/>
+      <inkml:brushProperty name="tip" value="rectangle"/>
+      <inkml:brushProperty name="rasterOp" value="maskPen"/>
+      <inkml:brushProperty name="ignorePressure" value="1"/>
+    </inkml:brush>
+  </inkml:definitions>
+  <inkml:trace contextRef="#ctx0" brushRef="#br0">0 45,'1081'0,"-838"-12,5-1,-187 12,105-14,-147 12</inkml:trace>
+</inkml:ink>
+</file>
+
+<file path=ppt/ink/ink5.xml><?xml version="1.0" encoding="utf-8"?>
+<inkml:ink xmlns:inkml="http://www.w3.org/2003/InkML">
+  <inkml:definitions>
+    <inkml:context xml:id="ctx0">
+      <inkml:inkSource xml:id="inkSrc0">
+        <inkml:traceFormat>
+          <inkml:channel name="X" type="integer" min="-2.14748E9" max="2.14748E9" units="cm"/>
+          <inkml:channel name="Y" type="integer" min="-2.14748E9" max="2.14748E9" units="cm"/>
+        </inkml:traceFormat>
+        <inkml:channelProperties>
+          <inkml:channelProperty channel="X" name="resolution" value="1000" units="1/cm"/>
+          <inkml:channelProperty channel="Y" name="resolution" value="1000" units="1/cm"/>
+        </inkml:channelProperties>
+      </inkml:inkSource>
+      <inkml:timestamp xml:id="ts0" timeString="2023-01-07T14:18:09.881"/>
+    </inkml:context>
+    <inkml:brush xml:id="br0">
+      <inkml:brushProperty name="width" value="0.3" units="cm"/>
+      <inkml:brushProperty name="height" value="0.6" units="cm"/>
+      <inkml:brushProperty name="color" value="#FFFFFF"/>
+      <inkml:brushProperty name="tip" value="rectangle"/>
+      <inkml:brushProperty name="rasterOp" value="maskPen"/>
+      <inkml:brushProperty name="ignorePressure" value="1"/>
+    </inkml:brush>
+  </inkml:definitions>
+  <inkml:trace contextRef="#ctx0" brushRef="#br0">1 1,'472'14,"184"0,-74-5,119 2,-447-13,-228 2</inkml:trace>
+</inkml:ink>
+</file>
+
+<file path=ppt/ink/ink6.xml><?xml version="1.0" encoding="utf-8"?>
+<inkml:ink xmlns:inkml="http://www.w3.org/2003/InkML">
+  <inkml:definitions>
+    <inkml:context xml:id="ctx0">
+      <inkml:inkSource xml:id="inkSrc0">
+        <inkml:traceFormat>
+          <inkml:channel name="X" type="integer" min="-2.14748E9" max="2.14748E9" units="cm"/>
+          <inkml:channel name="Y" type="integer" min="-2.14748E9" max="2.14748E9" units="cm"/>
+        </inkml:traceFormat>
+        <inkml:channelProperties>
+          <inkml:channelProperty channel="X" name="resolution" value="1000" units="1/cm"/>
+          <inkml:channelProperty channel="Y" name="resolution" value="1000" units="1/cm"/>
+        </inkml:channelProperties>
+      </inkml:inkSource>
+      <inkml:timestamp xml:id="ts0" timeString="2023-01-07T14:18:11.756"/>
+    </inkml:context>
+    <inkml:brush xml:id="br0">
+      <inkml:brushProperty name="width" value="0.3" units="cm"/>
+      <inkml:brushProperty name="height" value="0.6" units="cm"/>
+      <inkml:brushProperty name="color" value="#FFFFFF"/>
+      <inkml:brushProperty name="tip" value="rectangle"/>
+      <inkml:brushProperty name="rasterOp" value="maskPen"/>
+      <inkml:brushProperty name="ignorePressure" value="1"/>
+    </inkml:brush>
+  </inkml:definitions>
+  <inkml:trace contextRef="#ctx0" brushRef="#br0">0 1,'0'0</inkml:trace>
+</inkml:ink>
+</file>
+
+<file path=ppt/ink/ink7.xml><?xml version="1.0" encoding="utf-8"?>
+<inkml:ink xmlns:inkml="http://www.w3.org/2003/InkML">
+  <inkml:definitions>
+    <inkml:context xml:id="ctx0">
+      <inkml:inkSource xml:id="inkSrc0">
+        <inkml:traceFormat>
+          <inkml:channel name="X" type="integer" min="-2.14748E9" max="2.14748E9" units="cm"/>
+          <inkml:channel name="Y" type="integer" min="-2.14748E9" max="2.14748E9" units="cm"/>
+        </inkml:traceFormat>
+        <inkml:channelProperties>
+          <inkml:channelProperty channel="X" name="resolution" value="1000" units="1/cm"/>
+          <inkml:channelProperty channel="Y" name="resolution" value="1000" units="1/cm"/>
+        </inkml:channelProperties>
+      </inkml:inkSource>
+      <inkml:timestamp xml:id="ts0" timeString="2023-01-07T14:18:12.298"/>
+    </inkml:context>
+    <inkml:brush xml:id="br0">
+      <inkml:brushProperty name="width" value="0.3" units="cm"/>
+      <inkml:brushProperty name="height" value="0.6" units="cm"/>
+      <inkml:brushProperty name="color" value="#FFFFFF"/>
+      <inkml:brushProperty name="tip" value="rectangle"/>
+      <inkml:brushProperty name="rasterOp" value="maskPen"/>
+      <inkml:brushProperty name="ignorePressure" value="1"/>
+    </inkml:brush>
+  </inkml:definitions>
+  <inkml:trace contextRef="#ctx0" brushRef="#br0">1 188,'4'-1,"0"0,-1 0,1-1,0 1,0-1,-1 0,7-4,12-5,40-8,1 2,80-9,31-7,-118 23,-1 2,1 3,59 1,33-1,-14-7,222-10,-324 22,-4 1</inkml:trace>
+</inkml:ink>
+</file>
+
+<file path=ppt/ink/ink8.xml><?xml version="1.0" encoding="utf-8"?>
+<inkml:ink xmlns:inkml="http://www.w3.org/2003/InkML">
+  <inkml:definitions>
+    <inkml:context xml:id="ctx0">
+      <inkml:inkSource xml:id="inkSrc0">
+        <inkml:traceFormat>
+          <inkml:channel name="X" type="integer" min="-2.14748E9" max="2.14748E9" units="cm"/>
+          <inkml:channel name="Y" type="integer" min="-2.14748E9" max="2.14748E9" units="cm"/>
+        </inkml:traceFormat>
+        <inkml:channelProperties>
+          <inkml:channelProperty channel="X" name="resolution" value="1000" units="1/cm"/>
+          <inkml:channelProperty channel="Y" name="resolution" value="1000" units="1/cm"/>
+        </inkml:channelProperties>
+      </inkml:inkSource>
+      <inkml:timestamp xml:id="ts0" timeString="2023-01-07T14:18:12.722"/>
+    </inkml:context>
+    <inkml:brush xml:id="br0">
+      <inkml:brushProperty name="width" value="0.3" units="cm"/>
+      <inkml:brushProperty name="height" value="0.6" units="cm"/>
+      <inkml:brushProperty name="color" value="#FFFFFF"/>
+      <inkml:brushProperty name="tip" value="rectangle"/>
+      <inkml:brushProperty name="rasterOp" value="maskPen"/>
+      <inkml:brushProperty name="ignorePressure" value="1"/>
+    </inkml:brush>
+  </inkml:definitions>
+  <inkml:trace contextRef="#ctx0" brushRef="#br0">9 47,'0'0,"0"0,0 1,0-1,-1 0,1 0,0 0,0 0,-1 0,1 0,0 0,0 0,-1 0,1 0,0 0,0 0,-1 0,1 0,0 0,0 0,-1 0,1 0,0 0,0 0,0 0,-1-1,1 1,0 0,0 0,0 0,-1 0,1 0,0-1,0 1,0 0,0 0,-1 0,1-1,0 1,0 0,0 0,0 0,0-1,0 1,0 0,0 0,0-1,0 1,0 0,0 0,0-1,0 1,0 0,0 0,0-1,0 1,0 0,0 0,0-1,0 1,0 0,0 0,0 0,1-1,-1 1,15-10,15 5,-1 1,2 2,-1 1,43 4,1 0,13-3,415-13,-407 6,-49 5</inkml:trace>
+</inkml:ink>
+</file>
+
+<file path=ppt/ink/ink9.xml><?xml version="1.0" encoding="utf-8"?>
+<inkml:ink xmlns:inkml="http://www.w3.org/2003/InkML">
+  <inkml:definitions>
+    <inkml:context xml:id="ctx0">
+      <inkml:inkSource xml:id="inkSrc0">
+        <inkml:traceFormat>
+          <inkml:channel name="X" type="integer" min="-2.14748E9" max="2.14748E9" units="cm"/>
+          <inkml:channel name="Y" type="integer" min="-2.14748E9" max="2.14748E9" units="cm"/>
+        </inkml:traceFormat>
+        <inkml:channelProperties>
+          <inkml:channelProperty channel="X" name="resolution" value="1000" units="1/cm"/>
+          <inkml:channelProperty channel="Y" name="resolution" value="1000" units="1/cm"/>
+        </inkml:channelProperties>
+      </inkml:inkSource>
+      <inkml:timestamp xml:id="ts0" timeString="2023-01-07T14:18:13.449"/>
+    </inkml:context>
+    <inkml:brush xml:id="br0">
+      <inkml:brushProperty name="width" value="0.3" units="cm"/>
+      <inkml:brushProperty name="height" value="0.6" units="cm"/>
+      <inkml:brushProperty name="color" value="#FFFFFF"/>
+      <inkml:brushProperty name="tip" value="rectangle"/>
+      <inkml:brushProperty name="rasterOp" value="maskPen"/>
+      <inkml:brushProperty name="ignorePressure" value="1"/>
+    </inkml:brush>
+  </inkml:definitions>
+  <inkml:trace contextRef="#ctx0" brushRef="#br0">1 1,'0'0</inkml:trace>
+</inkml:ink>
 </file>
 
 <file path=ppt/slideLayouts/slideLayout1.xml><?xml version="1.0" encoding="utf-8"?>
@@ -6682,6 +7002,1221 @@
 </p:sld>
 </file>
 
+<file path=ppt/slides/slide6.xml><?xml version="1.0" encoding="utf-8"?>
+<p:sld xmlns:a="http://schemas.openxmlformats.org/drawingml/2006/main" xmlns:r="http://schemas.openxmlformats.org/officeDocument/2006/relationships" xmlns:p="http://schemas.openxmlformats.org/presentationml/2006/main">
+  <p:cSld>
+    <p:spTree>
+      <p:nvGrpSpPr>
+        <p:cNvPr id="1" name=""/>
+        <p:cNvGrpSpPr/>
+        <p:nvPr/>
+      </p:nvGrpSpPr>
+      <p:grpSpPr>
+        <a:xfrm>
+          <a:off x="0" y="0"/>
+          <a:ext cx="0" cy="0"/>
+          <a:chOff x="0" y="0"/>
+          <a:chExt cx="0" cy="0"/>
+        </a:xfrm>
+      </p:grpSpPr>
+      <p:sp>
+        <p:nvSpPr>
+          <p:cNvPr id="2" name="Title 1">
+            <a:extLst>
+              <a:ext uri="{FF2B5EF4-FFF2-40B4-BE49-F238E27FC236}">
+                <a16:creationId xmlns:a16="http://schemas.microsoft.com/office/drawing/2014/main" id="{81B3E240-25CD-3610-F6AB-52EAD10522ED}"/>
+              </a:ext>
+            </a:extLst>
+          </p:cNvPr>
+          <p:cNvSpPr>
+            <a:spLocks noGrp="1"/>
+          </p:cNvSpPr>
+          <p:nvPr>
+            <p:ph type="title"/>
+          </p:nvPr>
+        </p:nvSpPr>
+        <p:spPr>
+          <a:xfrm>
+            <a:off x="4229101" y="298707"/>
+            <a:ext cx="4749800" cy="1293028"/>
+          </a:xfrm>
+        </p:spPr>
+        <p:txBody>
+          <a:bodyPr>
+            <a:normAutofit/>
+          </a:bodyPr>
+          <a:lstStyle/>
+          <a:p>
+            <a:pPr algn="ctr"/>
+            <a:r>
+              <a:rPr lang="en-US" sz="3600" dirty="0"/>
+              <a:t>FEATURE selection</a:t>
+            </a:r>
+            <a:endParaRPr lang="en-IL" sz="3600" dirty="0"/>
+          </a:p>
+        </p:txBody>
+      </p:sp>
+      <p:sp>
+        <p:nvSpPr>
+          <p:cNvPr id="5" name="TextBox 4">
+            <a:extLst>
+              <a:ext uri="{FF2B5EF4-FFF2-40B4-BE49-F238E27FC236}">
+                <a16:creationId xmlns:a16="http://schemas.microsoft.com/office/drawing/2014/main" id="{5F65F190-A446-6BAF-047D-79027421C5EA}"/>
+              </a:ext>
+            </a:extLst>
+          </p:cNvPr>
+          <p:cNvSpPr txBox="1"/>
+          <p:nvPr/>
+        </p:nvSpPr>
+        <p:spPr>
+          <a:xfrm>
+            <a:off x="1011495" y="1238905"/>
+            <a:ext cx="9533466" cy="1754326"/>
+          </a:xfrm>
+          <a:prstGeom prst="rect">
+            <a:avLst/>
+          </a:prstGeom>
+          <a:noFill/>
+        </p:spPr>
+        <p:txBody>
+          <a:bodyPr wrap="square" rtlCol="0">
+            <a:spAutoFit/>
+          </a:bodyPr>
+          <a:lstStyle/>
+          <a:p>
+            <a:r>
+              <a:rPr lang="en-US" dirty="0"/>
+              <a:t>We decided against using the body columns from the datasets since we think it won’t help us distinct bad from good, it’s free content, with no context.</a:t>
+            </a:r>
+          </a:p>
+          <a:p>
+            <a:r>
+              <a:rPr lang="en-US" dirty="0"/>
+              <a:t>We also discard the method column, it is also data that’s sort of tied with the body</a:t>
+            </a:r>
+          </a:p>
+          <a:p>
+            <a:r>
+              <a:rPr lang="en-US" dirty="0"/>
+              <a:t>columns as GET requests don’t send a body and POST requests do.</a:t>
+            </a:r>
+          </a:p>
+          <a:p>
+            <a:endParaRPr lang="en-US" dirty="0"/>
+          </a:p>
+          <a:p>
+            <a:r>
+              <a:rPr lang="en-US" dirty="0"/>
+              <a:t>In conclusion: we removed these features:</a:t>
+            </a:r>
+          </a:p>
+        </p:txBody>
+      </p:sp>
+      <p:pic>
+        <p:nvPicPr>
+          <p:cNvPr id="6" name="תמונה 5" descr="תמונה שמכילה טקסט&#10;&#10;התיאור נוצר באופן אוטומטי">
+            <a:extLst>
+              <a:ext uri="{FF2B5EF4-FFF2-40B4-BE49-F238E27FC236}">
+                <a16:creationId xmlns:a16="http://schemas.microsoft.com/office/drawing/2014/main" id="{3E6E0817-B3C7-2EB6-9EAB-EDC98F7FD20F}"/>
+              </a:ext>
+            </a:extLst>
+          </p:cNvPr>
+          <p:cNvPicPr>
+            <a:picLocks noChangeAspect="1"/>
+          </p:cNvPicPr>
+          <p:nvPr/>
+        </p:nvPicPr>
+        <p:blipFill>
+          <a:blip r:embed="rId2">
+            <a:extLst>
+              <a:ext uri="{28A0092B-C50C-407E-A947-70E740481C1C}">
+                <a14:useLocalDpi xmlns:a14="http://schemas.microsoft.com/office/drawing/2010/main" val="0"/>
+              </a:ext>
+            </a:extLst>
+          </a:blip>
+          <a:stretch>
+            <a:fillRect/>
+          </a:stretch>
+        </p:blipFill>
+        <p:spPr>
+          <a:xfrm>
+            <a:off x="4720805" y="2993231"/>
+            <a:ext cx="2114845" cy="1524213"/>
+          </a:xfrm>
+          <a:prstGeom prst="rect">
+            <a:avLst/>
+          </a:prstGeom>
+        </p:spPr>
+      </p:pic>
+      <mc:AlternateContent xmlns:mc="http://schemas.openxmlformats.org/markup-compatibility/2006">
+        <mc:Choice xmlns:p14="http://schemas.microsoft.com/office/powerpoint/2010/main" Requires="p14">
+          <p:contentPart p14:bwMode="auto" r:id="rId3">
+            <p14:nvContentPartPr>
+              <p14:cNvPr id="7" name="דיו 6">
+                <a:extLst>
+                  <a:ext uri="{FF2B5EF4-FFF2-40B4-BE49-F238E27FC236}">
+                    <a16:creationId xmlns:a16="http://schemas.microsoft.com/office/drawing/2014/main" id="{80B90472-2955-8F71-6C81-7C8FD798BFB9}"/>
+                  </a:ext>
+                </a:extLst>
+              </p14:cNvPr>
+              <p14:cNvContentPartPr/>
+              <p14:nvPr/>
+            </p14:nvContentPartPr>
+            <p14:xfrm>
+              <a:off x="6500920" y="3044827"/>
+              <a:ext cx="232560" cy="51120"/>
+            </p14:xfrm>
+          </p:contentPart>
+        </mc:Choice>
+        <mc:Fallback>
+          <p:pic>
+            <p:nvPicPr>
+              <p:cNvPr id="7" name="דיו 6">
+                <a:extLst>
+                  <a:ext uri="{FF2B5EF4-FFF2-40B4-BE49-F238E27FC236}">
+                    <a16:creationId xmlns:a16="http://schemas.microsoft.com/office/drawing/2014/main" id="{80B90472-2955-8F71-6C81-7C8FD798BFB9}"/>
+                  </a:ext>
+                </a:extLst>
+              </p:cNvPr>
+              <p:cNvPicPr/>
+              <p:nvPr/>
+            </p:nvPicPr>
+            <p:blipFill>
+              <a:blip r:embed="rId4"/>
+              <a:stretch>
+                <a:fillRect/>
+              </a:stretch>
+            </p:blipFill>
+            <p:spPr>
+              <a:xfrm>
+                <a:off x="6447280" y="2937187"/>
+                <a:ext cx="340200" cy="266760"/>
+              </a:xfrm>
+              <a:prstGeom prst="rect">
+                <a:avLst/>
+              </a:prstGeom>
+            </p:spPr>
+          </p:pic>
+        </mc:Fallback>
+      </mc:AlternateContent>
+      <mc:AlternateContent xmlns:mc="http://schemas.openxmlformats.org/markup-compatibility/2006">
+        <mc:Choice xmlns:p14="http://schemas.microsoft.com/office/powerpoint/2010/main" Requires="p14">
+          <p:contentPart p14:bwMode="auto" r:id="rId5">
+            <p14:nvContentPartPr>
+              <p14:cNvPr id="8" name="דיו 7">
+                <a:extLst>
+                  <a:ext uri="{FF2B5EF4-FFF2-40B4-BE49-F238E27FC236}">
+                    <a16:creationId xmlns:a16="http://schemas.microsoft.com/office/drawing/2014/main" id="{B825E3E4-50ED-E606-371A-871B7318D9C5}"/>
+                  </a:ext>
+                </a:extLst>
+              </p14:cNvPr>
+              <p14:cNvContentPartPr/>
+              <p14:nvPr/>
+            </p14:nvContentPartPr>
+            <p14:xfrm>
+              <a:off x="6618640" y="3061747"/>
+              <a:ext cx="360" cy="360"/>
+            </p14:xfrm>
+          </p:contentPart>
+        </mc:Choice>
+        <mc:Fallback>
+          <p:pic>
+            <p:nvPicPr>
+              <p:cNvPr id="8" name="דיו 7">
+                <a:extLst>
+                  <a:ext uri="{FF2B5EF4-FFF2-40B4-BE49-F238E27FC236}">
+                    <a16:creationId xmlns:a16="http://schemas.microsoft.com/office/drawing/2014/main" id="{B825E3E4-50ED-E606-371A-871B7318D9C5}"/>
+                  </a:ext>
+                </a:extLst>
+              </p:cNvPr>
+              <p:cNvPicPr/>
+              <p:nvPr/>
+            </p:nvPicPr>
+            <p:blipFill>
+              <a:blip r:embed="rId6"/>
+              <a:stretch>
+                <a:fillRect/>
+              </a:stretch>
+            </p:blipFill>
+            <p:spPr>
+              <a:xfrm>
+                <a:off x="6565000" y="2953747"/>
+                <a:ext cx="108000" cy="216000"/>
+              </a:xfrm>
+              <a:prstGeom prst="rect">
+                <a:avLst/>
+              </a:prstGeom>
+            </p:spPr>
+          </p:pic>
+        </mc:Fallback>
+      </mc:AlternateContent>
+      <mc:AlternateContent xmlns:mc="http://schemas.openxmlformats.org/markup-compatibility/2006">
+        <mc:Choice xmlns:p14="http://schemas.microsoft.com/office/powerpoint/2010/main" Requires="p14">
+          <p:contentPart p14:bwMode="auto" r:id="rId7">
+            <p14:nvContentPartPr>
+              <p14:cNvPr id="9" name="דיו 8">
+                <a:extLst>
+                  <a:ext uri="{FF2B5EF4-FFF2-40B4-BE49-F238E27FC236}">
+                    <a16:creationId xmlns:a16="http://schemas.microsoft.com/office/drawing/2014/main" id="{FD7072F4-6356-F05E-CD39-F360A4C98969}"/>
+                  </a:ext>
+                </a:extLst>
+              </p14:cNvPr>
+              <p14:cNvContentPartPr/>
+              <p14:nvPr/>
+            </p14:nvContentPartPr>
+            <p14:xfrm>
+              <a:off x="6551320" y="3128347"/>
+              <a:ext cx="335880" cy="17640"/>
+            </p14:xfrm>
+          </p:contentPart>
+        </mc:Choice>
+        <mc:Fallback>
+          <p:pic>
+            <p:nvPicPr>
+              <p:cNvPr id="9" name="דיו 8">
+                <a:extLst>
+                  <a:ext uri="{FF2B5EF4-FFF2-40B4-BE49-F238E27FC236}">
+                    <a16:creationId xmlns:a16="http://schemas.microsoft.com/office/drawing/2014/main" id="{FD7072F4-6356-F05E-CD39-F360A4C98969}"/>
+                  </a:ext>
+                </a:extLst>
+              </p:cNvPr>
+              <p:cNvPicPr/>
+              <p:nvPr/>
+            </p:nvPicPr>
+            <p:blipFill>
+              <a:blip r:embed="rId8"/>
+              <a:stretch>
+                <a:fillRect/>
+              </a:stretch>
+            </p:blipFill>
+            <p:spPr>
+              <a:xfrm>
+                <a:off x="6497680" y="3020707"/>
+                <a:ext cx="443520" cy="233280"/>
+              </a:xfrm>
+              <a:prstGeom prst="rect">
+                <a:avLst/>
+              </a:prstGeom>
+            </p:spPr>
+          </p:pic>
+        </mc:Fallback>
+      </mc:AlternateContent>
+      <mc:AlternateContent xmlns:mc="http://schemas.openxmlformats.org/markup-compatibility/2006">
+        <mc:Choice xmlns:p14="http://schemas.microsoft.com/office/powerpoint/2010/main" Requires="p14">
+          <p:contentPart p14:bwMode="auto" r:id="rId9">
+            <p14:nvContentPartPr>
+              <p14:cNvPr id="11" name="דיו 10">
+                <a:extLst>
+                  <a:ext uri="{FF2B5EF4-FFF2-40B4-BE49-F238E27FC236}">
+                    <a16:creationId xmlns:a16="http://schemas.microsoft.com/office/drawing/2014/main" id="{333ADBE1-DE8F-718C-7C3F-32F7AB3CFDD2}"/>
+                  </a:ext>
+                </a:extLst>
+              </p14:cNvPr>
+              <p14:cNvContentPartPr/>
+              <p14:nvPr/>
+            </p14:nvContentPartPr>
+            <p14:xfrm>
+              <a:off x="5024920" y="2785627"/>
+              <a:ext cx="654840" cy="16560"/>
+            </p14:xfrm>
+          </p:contentPart>
+        </mc:Choice>
+        <mc:Fallback>
+          <p:pic>
+            <p:nvPicPr>
+              <p:cNvPr id="11" name="דיו 10">
+                <a:extLst>
+                  <a:ext uri="{FF2B5EF4-FFF2-40B4-BE49-F238E27FC236}">
+                    <a16:creationId xmlns:a16="http://schemas.microsoft.com/office/drawing/2014/main" id="{333ADBE1-DE8F-718C-7C3F-32F7AB3CFDD2}"/>
+                  </a:ext>
+                </a:extLst>
+              </p:cNvPr>
+              <p:cNvPicPr/>
+              <p:nvPr/>
+            </p:nvPicPr>
+            <p:blipFill>
+              <a:blip r:embed="rId10"/>
+              <a:stretch>
+                <a:fillRect/>
+              </a:stretch>
+            </p:blipFill>
+            <p:spPr>
+              <a:xfrm>
+                <a:off x="4970920" y="2677987"/>
+                <a:ext cx="762480" cy="232200"/>
+              </a:xfrm>
+              <a:prstGeom prst="rect">
+                <a:avLst/>
+              </a:prstGeom>
+            </p:spPr>
+          </p:pic>
+        </mc:Fallback>
+      </mc:AlternateContent>
+      <mc:AlternateContent xmlns:mc="http://schemas.openxmlformats.org/markup-compatibility/2006">
+        <mc:Choice xmlns:p14="http://schemas.microsoft.com/office/powerpoint/2010/main" Requires="p14">
+          <p:contentPart p14:bwMode="auto" r:id="rId11">
+            <p14:nvContentPartPr>
+              <p14:cNvPr id="12" name="דיו 11">
+                <a:extLst>
+                  <a:ext uri="{FF2B5EF4-FFF2-40B4-BE49-F238E27FC236}">
+                    <a16:creationId xmlns:a16="http://schemas.microsoft.com/office/drawing/2014/main" id="{491F0005-23E9-9170-E9E3-61794D473B98}"/>
+                  </a:ext>
+                </a:extLst>
+              </p14:cNvPr>
+              <p14:cNvContentPartPr/>
+              <p14:nvPr/>
+            </p14:nvContentPartPr>
+            <p14:xfrm>
+              <a:off x="4823320" y="2826667"/>
+              <a:ext cx="969120" cy="17640"/>
+            </p14:xfrm>
+          </p:contentPart>
+        </mc:Choice>
+        <mc:Fallback>
+          <p:pic>
+            <p:nvPicPr>
+              <p:cNvPr id="12" name="דיו 11">
+                <a:extLst>
+                  <a:ext uri="{FF2B5EF4-FFF2-40B4-BE49-F238E27FC236}">
+                    <a16:creationId xmlns:a16="http://schemas.microsoft.com/office/drawing/2014/main" id="{491F0005-23E9-9170-E9E3-61794D473B98}"/>
+                  </a:ext>
+                </a:extLst>
+              </p:cNvPr>
+              <p:cNvPicPr/>
+              <p:nvPr/>
+            </p:nvPicPr>
+            <p:blipFill>
+              <a:blip r:embed="rId12"/>
+              <a:stretch>
+                <a:fillRect/>
+              </a:stretch>
+            </p:blipFill>
+            <p:spPr>
+              <a:xfrm>
+                <a:off x="4769680" y="2719027"/>
+                <a:ext cx="1076760" cy="233280"/>
+              </a:xfrm>
+              <a:prstGeom prst="rect">
+                <a:avLst/>
+              </a:prstGeom>
+            </p:spPr>
+          </p:pic>
+        </mc:Fallback>
+      </mc:AlternateContent>
+      <mc:AlternateContent xmlns:mc="http://schemas.openxmlformats.org/markup-compatibility/2006">
+        <mc:Choice xmlns:p14="http://schemas.microsoft.com/office/powerpoint/2010/main" Requires="p14">
+          <p:contentPart p14:bwMode="auto" r:id="rId13">
+            <p14:nvContentPartPr>
+              <p14:cNvPr id="13" name="דיו 12">
+                <a:extLst>
+                  <a:ext uri="{FF2B5EF4-FFF2-40B4-BE49-F238E27FC236}">
+                    <a16:creationId xmlns:a16="http://schemas.microsoft.com/office/drawing/2014/main" id="{993A451D-BB03-AD50-CC9E-36FD9801929A}"/>
+                  </a:ext>
+                </a:extLst>
+              </p14:cNvPr>
+              <p14:cNvContentPartPr/>
+              <p14:nvPr/>
+            </p14:nvContentPartPr>
+            <p14:xfrm>
+              <a:off x="5947600" y="3413827"/>
+              <a:ext cx="360" cy="360"/>
+            </p14:xfrm>
+          </p:contentPart>
+        </mc:Choice>
+        <mc:Fallback>
+          <p:pic>
+            <p:nvPicPr>
+              <p:cNvPr id="13" name="דיו 12">
+                <a:extLst>
+                  <a:ext uri="{FF2B5EF4-FFF2-40B4-BE49-F238E27FC236}">
+                    <a16:creationId xmlns:a16="http://schemas.microsoft.com/office/drawing/2014/main" id="{993A451D-BB03-AD50-CC9E-36FD9801929A}"/>
+                  </a:ext>
+                </a:extLst>
+              </p:cNvPr>
+              <p:cNvPicPr/>
+              <p:nvPr/>
+            </p:nvPicPr>
+            <p:blipFill>
+              <a:blip r:embed="rId6"/>
+              <a:stretch>
+                <a:fillRect/>
+              </a:stretch>
+            </p:blipFill>
+            <p:spPr>
+              <a:xfrm>
+                <a:off x="5893600" y="3306187"/>
+                <a:ext cx="108000" cy="216000"/>
+              </a:xfrm>
+              <a:prstGeom prst="rect">
+                <a:avLst/>
+              </a:prstGeom>
+            </p:spPr>
+          </p:pic>
+        </mc:Fallback>
+      </mc:AlternateContent>
+      <mc:AlternateContent xmlns:mc="http://schemas.openxmlformats.org/markup-compatibility/2006">
+        <mc:Choice xmlns:p14="http://schemas.microsoft.com/office/powerpoint/2010/main" Requires="p14">
+          <p:contentPart p14:bwMode="auto" r:id="rId14">
+            <p14:nvContentPartPr>
+              <p14:cNvPr id="14" name="דיו 13">
+                <a:extLst>
+                  <a:ext uri="{FF2B5EF4-FFF2-40B4-BE49-F238E27FC236}">
+                    <a16:creationId xmlns:a16="http://schemas.microsoft.com/office/drawing/2014/main" id="{F748C4BC-3A40-E4D6-B509-7DC8F53A44EF}"/>
+                  </a:ext>
+                </a:extLst>
+              </p14:cNvPr>
+              <p14:cNvContentPartPr/>
+              <p14:nvPr/>
+            </p14:nvContentPartPr>
+            <p14:xfrm>
+              <a:off x="5427400" y="3287827"/>
+              <a:ext cx="533520" cy="68040"/>
+            </p14:xfrm>
+          </p:contentPart>
+        </mc:Choice>
+        <mc:Fallback>
+          <p:pic>
+            <p:nvPicPr>
+              <p:cNvPr id="14" name="דיו 13">
+                <a:extLst>
+                  <a:ext uri="{FF2B5EF4-FFF2-40B4-BE49-F238E27FC236}">
+                    <a16:creationId xmlns:a16="http://schemas.microsoft.com/office/drawing/2014/main" id="{F748C4BC-3A40-E4D6-B509-7DC8F53A44EF}"/>
+                  </a:ext>
+                </a:extLst>
+              </p:cNvPr>
+              <p:cNvPicPr/>
+              <p:nvPr/>
+            </p:nvPicPr>
+            <p:blipFill>
+              <a:blip r:embed="rId15"/>
+              <a:stretch>
+                <a:fillRect/>
+              </a:stretch>
+            </p:blipFill>
+            <p:spPr>
+              <a:xfrm>
+                <a:off x="5373760" y="3179827"/>
+                <a:ext cx="641160" cy="283680"/>
+              </a:xfrm>
+              <a:prstGeom prst="rect">
+                <a:avLst/>
+              </a:prstGeom>
+            </p:spPr>
+          </p:pic>
+        </mc:Fallback>
+      </mc:AlternateContent>
+      <mc:AlternateContent xmlns:mc="http://schemas.openxmlformats.org/markup-compatibility/2006">
+        <mc:Choice xmlns:p14="http://schemas.microsoft.com/office/powerpoint/2010/main" Requires="p14">
+          <p:contentPart p14:bwMode="auto" r:id="rId16">
+            <p14:nvContentPartPr>
+              <p14:cNvPr id="15" name="דיו 14">
+                <a:extLst>
+                  <a:ext uri="{FF2B5EF4-FFF2-40B4-BE49-F238E27FC236}">
+                    <a16:creationId xmlns:a16="http://schemas.microsoft.com/office/drawing/2014/main" id="{CD0899C9-7CC9-08BF-AEE8-A58E640FAAEA}"/>
+                  </a:ext>
+                </a:extLst>
+              </p14:cNvPr>
+              <p14:cNvContentPartPr/>
+              <p14:nvPr/>
+            </p14:nvContentPartPr>
+            <p14:xfrm>
+              <a:off x="5818360" y="3262987"/>
+              <a:ext cx="365040" cy="17280"/>
+            </p14:xfrm>
+          </p:contentPart>
+        </mc:Choice>
+        <mc:Fallback>
+          <p:pic>
+            <p:nvPicPr>
+              <p:cNvPr id="15" name="דיו 14">
+                <a:extLst>
+                  <a:ext uri="{FF2B5EF4-FFF2-40B4-BE49-F238E27FC236}">
+                    <a16:creationId xmlns:a16="http://schemas.microsoft.com/office/drawing/2014/main" id="{CD0899C9-7CC9-08BF-AEE8-A58E640FAAEA}"/>
+                  </a:ext>
+                </a:extLst>
+              </p:cNvPr>
+              <p:cNvPicPr/>
+              <p:nvPr/>
+            </p:nvPicPr>
+            <p:blipFill>
+              <a:blip r:embed="rId17"/>
+              <a:stretch>
+                <a:fillRect/>
+              </a:stretch>
+            </p:blipFill>
+            <p:spPr>
+              <a:xfrm>
+                <a:off x="5764720" y="3155347"/>
+                <a:ext cx="472680" cy="232920"/>
+              </a:xfrm>
+              <a:prstGeom prst="rect">
+                <a:avLst/>
+              </a:prstGeom>
+            </p:spPr>
+          </p:pic>
+        </mc:Fallback>
+      </mc:AlternateContent>
+      <mc:AlternateContent xmlns:mc="http://schemas.openxmlformats.org/markup-compatibility/2006">
+        <mc:Choice xmlns:p14="http://schemas.microsoft.com/office/powerpoint/2010/main" Requires="p14">
+          <p:contentPart p14:bwMode="auto" r:id="rId18">
+            <p14:nvContentPartPr>
+              <p14:cNvPr id="16" name="דיו 15">
+                <a:extLst>
+                  <a:ext uri="{FF2B5EF4-FFF2-40B4-BE49-F238E27FC236}">
+                    <a16:creationId xmlns:a16="http://schemas.microsoft.com/office/drawing/2014/main" id="{18AC9579-F396-CCA7-5717-8CCA1C159C9B}"/>
+                  </a:ext>
+                </a:extLst>
+              </p14:cNvPr>
+              <p14:cNvContentPartPr/>
+              <p14:nvPr/>
+            </p14:nvContentPartPr>
+            <p14:xfrm>
+              <a:off x="5972440" y="3304747"/>
+              <a:ext cx="360" cy="360"/>
+            </p14:xfrm>
+          </p:contentPart>
+        </mc:Choice>
+        <mc:Fallback>
+          <p:pic>
+            <p:nvPicPr>
+              <p:cNvPr id="16" name="דיו 15">
+                <a:extLst>
+                  <a:ext uri="{FF2B5EF4-FFF2-40B4-BE49-F238E27FC236}">
+                    <a16:creationId xmlns:a16="http://schemas.microsoft.com/office/drawing/2014/main" id="{18AC9579-F396-CCA7-5717-8CCA1C159C9B}"/>
+                  </a:ext>
+                </a:extLst>
+              </p:cNvPr>
+              <p:cNvPicPr/>
+              <p:nvPr/>
+            </p:nvPicPr>
+            <p:blipFill>
+              <a:blip r:embed="rId6"/>
+              <a:stretch>
+                <a:fillRect/>
+              </a:stretch>
+            </p:blipFill>
+            <p:spPr>
+              <a:xfrm>
+                <a:off x="5918800" y="3197107"/>
+                <a:ext cx="108000" cy="216000"/>
+              </a:xfrm>
+              <a:prstGeom prst="rect">
+                <a:avLst/>
+              </a:prstGeom>
+            </p:spPr>
+          </p:pic>
+        </mc:Fallback>
+      </mc:AlternateContent>
+      <mc:AlternateContent xmlns:mc="http://schemas.openxmlformats.org/markup-compatibility/2006">
+        <mc:Choice xmlns:p14="http://schemas.microsoft.com/office/powerpoint/2010/main" Requires="p14">
+          <p:contentPart p14:bwMode="auto" r:id="rId19">
+            <p14:nvContentPartPr>
+              <p14:cNvPr id="17" name="דיו 16">
+                <a:extLst>
+                  <a:ext uri="{FF2B5EF4-FFF2-40B4-BE49-F238E27FC236}">
+                    <a16:creationId xmlns:a16="http://schemas.microsoft.com/office/drawing/2014/main" id="{92360995-F54A-44CB-51ED-9B429E9965A4}"/>
+                  </a:ext>
+                </a:extLst>
+              </p14:cNvPr>
+              <p14:cNvContentPartPr/>
+              <p14:nvPr/>
+            </p14:nvContentPartPr>
+            <p14:xfrm>
+              <a:off x="5998000" y="3304747"/>
+              <a:ext cx="8640" cy="360"/>
+            </p14:xfrm>
+          </p:contentPart>
+        </mc:Choice>
+        <mc:Fallback>
+          <p:pic>
+            <p:nvPicPr>
+              <p:cNvPr id="17" name="דיו 16">
+                <a:extLst>
+                  <a:ext uri="{FF2B5EF4-FFF2-40B4-BE49-F238E27FC236}">
+                    <a16:creationId xmlns:a16="http://schemas.microsoft.com/office/drawing/2014/main" id="{92360995-F54A-44CB-51ED-9B429E9965A4}"/>
+                  </a:ext>
+                </a:extLst>
+              </p:cNvPr>
+              <p:cNvPicPr/>
+              <p:nvPr/>
+            </p:nvPicPr>
+            <p:blipFill>
+              <a:blip r:embed="rId20"/>
+              <a:stretch>
+                <a:fillRect/>
+              </a:stretch>
+            </p:blipFill>
+            <p:spPr>
+              <a:xfrm>
+                <a:off x="5944000" y="3197107"/>
+                <a:ext cx="116280" cy="216000"/>
+              </a:xfrm>
+              <a:prstGeom prst="rect">
+                <a:avLst/>
+              </a:prstGeom>
+            </p:spPr>
+          </p:pic>
+        </mc:Fallback>
+      </mc:AlternateContent>
+      <mc:AlternateContent xmlns:mc="http://schemas.openxmlformats.org/markup-compatibility/2006">
+        <mc:Choice xmlns:p14="http://schemas.microsoft.com/office/powerpoint/2010/main" Requires="p14">
+          <p:contentPart p14:bwMode="auto" r:id="rId21">
+            <p14:nvContentPartPr>
+              <p14:cNvPr id="19" name="דיו 18">
+                <a:extLst>
+                  <a:ext uri="{FF2B5EF4-FFF2-40B4-BE49-F238E27FC236}">
+                    <a16:creationId xmlns:a16="http://schemas.microsoft.com/office/drawing/2014/main" id="{D5827E86-3CE7-7417-1114-F88C9225637F}"/>
+                  </a:ext>
+                </a:extLst>
+              </p14:cNvPr>
+              <p14:cNvContentPartPr/>
+              <p14:nvPr/>
+            </p14:nvContentPartPr>
+            <p14:xfrm>
+              <a:off x="6522520" y="3080827"/>
+              <a:ext cx="219240" cy="48600"/>
+            </p14:xfrm>
+          </p:contentPart>
+        </mc:Choice>
+        <mc:Fallback>
+          <p:pic>
+            <p:nvPicPr>
+              <p:cNvPr id="19" name="דיו 18">
+                <a:extLst>
+                  <a:ext uri="{FF2B5EF4-FFF2-40B4-BE49-F238E27FC236}">
+                    <a16:creationId xmlns:a16="http://schemas.microsoft.com/office/drawing/2014/main" id="{D5827E86-3CE7-7417-1114-F88C9225637F}"/>
+                  </a:ext>
+                </a:extLst>
+              </p:cNvPr>
+              <p:cNvPicPr/>
+              <p:nvPr/>
+            </p:nvPicPr>
+            <p:blipFill>
+              <a:blip r:embed="rId22"/>
+              <a:stretch>
+                <a:fillRect/>
+              </a:stretch>
+            </p:blipFill>
+            <p:spPr>
+              <a:xfrm>
+                <a:off x="6459520" y="3017827"/>
+                <a:ext cx="344880" cy="174240"/>
+              </a:xfrm>
+              <a:prstGeom prst="rect">
+                <a:avLst/>
+              </a:prstGeom>
+            </p:spPr>
+          </p:pic>
+        </mc:Fallback>
+      </mc:AlternateContent>
+    </p:spTree>
+    <p:extLst>
+      <p:ext uri="{BB962C8B-B14F-4D97-AF65-F5344CB8AC3E}">
+        <p14:creationId xmlns:p14="http://schemas.microsoft.com/office/powerpoint/2010/main" val="3944587917"/>
+      </p:ext>
+    </p:extLst>
+  </p:cSld>
+  <p:clrMapOvr>
+    <a:masterClrMapping/>
+  </p:clrMapOvr>
+</p:sld>
+</file>
+
+<file path=ppt/slides/slide7.xml><?xml version="1.0" encoding="utf-8"?>
+<p:sld xmlns:a="http://schemas.openxmlformats.org/drawingml/2006/main" xmlns:r="http://schemas.openxmlformats.org/officeDocument/2006/relationships" xmlns:p="http://schemas.openxmlformats.org/presentationml/2006/main">
+  <p:cSld>
+    <p:spTree>
+      <p:nvGrpSpPr>
+        <p:cNvPr id="1" name=""/>
+        <p:cNvGrpSpPr/>
+        <p:nvPr/>
+      </p:nvGrpSpPr>
+      <p:grpSpPr>
+        <a:xfrm>
+          <a:off x="0" y="0"/>
+          <a:ext cx="0" cy="0"/>
+          <a:chOff x="0" y="0"/>
+          <a:chExt cx="0" cy="0"/>
+        </a:xfrm>
+      </p:grpSpPr>
+      <p:sp>
+        <p:nvSpPr>
+          <p:cNvPr id="2" name="כותרת 1">
+            <a:extLst>
+              <a:ext uri="{FF2B5EF4-FFF2-40B4-BE49-F238E27FC236}">
+                <a16:creationId xmlns:a16="http://schemas.microsoft.com/office/drawing/2014/main" id="{ABA318B0-5D36-395B-0B1F-D31042C64C59}"/>
+              </a:ext>
+            </a:extLst>
+          </p:cNvPr>
+          <p:cNvSpPr>
+            <a:spLocks noGrp="1"/>
+          </p:cNvSpPr>
+          <p:nvPr>
+            <p:ph type="title"/>
+          </p:nvPr>
+        </p:nvSpPr>
+        <p:spPr>
+          <a:xfrm>
+            <a:off x="5015035" y="264177"/>
+            <a:ext cx="2161930" cy="1293028"/>
+          </a:xfrm>
+        </p:spPr>
+        <p:txBody>
+          <a:bodyPr/>
+          <a:lstStyle/>
+          <a:p>
+            <a:r>
+              <a:rPr lang="en-US" dirty="0"/>
+              <a:t>Scores</a:t>
+            </a:r>
+            <a:endParaRPr lang="en-IL" dirty="0"/>
+          </a:p>
+        </p:txBody>
+      </p:sp>
+      <p:sp>
+        <p:nvSpPr>
+          <p:cNvPr id="4" name="תיבת טקסט 3">
+            <a:extLst>
+              <a:ext uri="{FF2B5EF4-FFF2-40B4-BE49-F238E27FC236}">
+                <a16:creationId xmlns:a16="http://schemas.microsoft.com/office/drawing/2014/main" id="{FCDE2603-9F8D-4B94-7FAB-684F32D58A8F}"/>
+              </a:ext>
+            </a:extLst>
+          </p:cNvPr>
+          <p:cNvSpPr txBox="1"/>
+          <p:nvPr/>
+        </p:nvSpPr>
+        <p:spPr>
+          <a:xfrm>
+            <a:off x="1164492" y="1557861"/>
+            <a:ext cx="2383692" cy="369332"/>
+          </a:xfrm>
+          <a:prstGeom prst="rect">
+            <a:avLst/>
+          </a:prstGeom>
+          <a:noFill/>
+        </p:spPr>
+        <p:txBody>
+          <a:bodyPr wrap="square" rtlCol="0">
+            <a:spAutoFit/>
+          </a:bodyPr>
+          <a:lstStyle/>
+          <a:p>
+            <a:r>
+              <a:rPr lang="en-US" dirty="0"/>
+              <a:t>Dataset 1 (label)</a:t>
+            </a:r>
+            <a:endParaRPr lang="en-IL" dirty="0"/>
+          </a:p>
+        </p:txBody>
+      </p:sp>
+      <p:sp>
+        <p:nvSpPr>
+          <p:cNvPr id="5" name="תיבת טקסט 4">
+            <a:extLst>
+              <a:ext uri="{FF2B5EF4-FFF2-40B4-BE49-F238E27FC236}">
+                <a16:creationId xmlns:a16="http://schemas.microsoft.com/office/drawing/2014/main" id="{32F73EE8-E740-9020-539D-4D7B803237D8}"/>
+              </a:ext>
+            </a:extLst>
+          </p:cNvPr>
+          <p:cNvSpPr txBox="1"/>
+          <p:nvPr/>
+        </p:nvSpPr>
+        <p:spPr>
+          <a:xfrm>
+            <a:off x="953477" y="3933932"/>
+            <a:ext cx="2383692" cy="369332"/>
+          </a:xfrm>
+          <a:prstGeom prst="rect">
+            <a:avLst/>
+          </a:prstGeom>
+          <a:noFill/>
+        </p:spPr>
+        <p:txBody>
+          <a:bodyPr wrap="square" rtlCol="0">
+            <a:spAutoFit/>
+          </a:bodyPr>
+          <a:lstStyle/>
+          <a:p>
+            <a:r>
+              <a:rPr lang="en-US" dirty="0"/>
+              <a:t>Dataset 2 (label)</a:t>
+            </a:r>
+            <a:endParaRPr lang="en-IL" dirty="0"/>
+          </a:p>
+        </p:txBody>
+      </p:sp>
+      <p:sp>
+        <p:nvSpPr>
+          <p:cNvPr id="6" name="תיבת טקסט 5">
+            <a:extLst>
+              <a:ext uri="{FF2B5EF4-FFF2-40B4-BE49-F238E27FC236}">
+                <a16:creationId xmlns:a16="http://schemas.microsoft.com/office/drawing/2014/main" id="{A9E0DBA0-B1EC-BD61-C5CA-7AFF24223FFB}"/>
+              </a:ext>
+            </a:extLst>
+          </p:cNvPr>
+          <p:cNvSpPr txBox="1"/>
+          <p:nvPr/>
+        </p:nvSpPr>
+        <p:spPr>
+          <a:xfrm>
+            <a:off x="4722935" y="3933932"/>
+            <a:ext cx="2881435" cy="369332"/>
+          </a:xfrm>
+          <a:prstGeom prst="rect">
+            <a:avLst/>
+          </a:prstGeom>
+          <a:noFill/>
+        </p:spPr>
+        <p:txBody>
+          <a:bodyPr wrap="square" rtlCol="0">
+            <a:spAutoFit/>
+          </a:bodyPr>
+          <a:lstStyle/>
+          <a:p>
+            <a:r>
+              <a:rPr lang="en-US" dirty="0"/>
+              <a:t>Dataset 3 (attack type)</a:t>
+            </a:r>
+            <a:endParaRPr lang="en-IL" dirty="0"/>
+          </a:p>
+        </p:txBody>
+      </p:sp>
+      <p:sp>
+        <p:nvSpPr>
+          <p:cNvPr id="7" name="תיבת טקסט 6">
+            <a:extLst>
+              <a:ext uri="{FF2B5EF4-FFF2-40B4-BE49-F238E27FC236}">
+                <a16:creationId xmlns:a16="http://schemas.microsoft.com/office/drawing/2014/main" id="{09CBFAC8-4EB3-D2BC-690D-5476BDFAAE6A}"/>
+              </a:ext>
+            </a:extLst>
+          </p:cNvPr>
+          <p:cNvSpPr txBox="1"/>
+          <p:nvPr/>
+        </p:nvSpPr>
+        <p:spPr>
+          <a:xfrm>
+            <a:off x="8854831" y="3952356"/>
+            <a:ext cx="2813538" cy="369332"/>
+          </a:xfrm>
+          <a:prstGeom prst="rect">
+            <a:avLst/>
+          </a:prstGeom>
+          <a:noFill/>
+        </p:spPr>
+        <p:txBody>
+          <a:bodyPr wrap="square" rtlCol="0">
+            <a:spAutoFit/>
+          </a:bodyPr>
+          <a:lstStyle/>
+          <a:p>
+            <a:r>
+              <a:rPr lang="en-US" dirty="0"/>
+              <a:t>Dataset 4 (attack type)</a:t>
+            </a:r>
+            <a:endParaRPr lang="en-IL" dirty="0"/>
+          </a:p>
+        </p:txBody>
+      </p:sp>
+      <p:sp>
+        <p:nvSpPr>
+          <p:cNvPr id="8" name="תיבת טקסט 7">
+            <a:extLst>
+              <a:ext uri="{FF2B5EF4-FFF2-40B4-BE49-F238E27FC236}">
+                <a16:creationId xmlns:a16="http://schemas.microsoft.com/office/drawing/2014/main" id="{BC5A528B-6277-43E9-9574-B04403D9DD75}"/>
+              </a:ext>
+            </a:extLst>
+          </p:cNvPr>
+          <p:cNvSpPr txBox="1"/>
+          <p:nvPr/>
+        </p:nvSpPr>
+        <p:spPr>
+          <a:xfrm>
+            <a:off x="9166470" y="1628792"/>
+            <a:ext cx="2383692" cy="369332"/>
+          </a:xfrm>
+          <a:prstGeom prst="rect">
+            <a:avLst/>
+          </a:prstGeom>
+          <a:noFill/>
+        </p:spPr>
+        <p:txBody>
+          <a:bodyPr wrap="square" rtlCol="0">
+            <a:spAutoFit/>
+          </a:bodyPr>
+          <a:lstStyle/>
+          <a:p>
+            <a:r>
+              <a:rPr lang="en-US" dirty="0"/>
+              <a:t>Dataset 4 (label)</a:t>
+            </a:r>
+            <a:endParaRPr lang="en-IL" dirty="0"/>
+          </a:p>
+        </p:txBody>
+      </p:sp>
+      <p:sp>
+        <p:nvSpPr>
+          <p:cNvPr id="9" name="תיבת טקסט 8">
+            <a:extLst>
+              <a:ext uri="{FF2B5EF4-FFF2-40B4-BE49-F238E27FC236}">
+                <a16:creationId xmlns:a16="http://schemas.microsoft.com/office/drawing/2014/main" id="{1CAD3251-E11C-4A94-8C3A-BB835B03E8F7}"/>
+              </a:ext>
+            </a:extLst>
+          </p:cNvPr>
+          <p:cNvSpPr txBox="1"/>
+          <p:nvPr/>
+        </p:nvSpPr>
+        <p:spPr>
+          <a:xfrm>
+            <a:off x="4971806" y="1623701"/>
+            <a:ext cx="2383692" cy="369332"/>
+          </a:xfrm>
+          <a:prstGeom prst="rect">
+            <a:avLst/>
+          </a:prstGeom>
+          <a:noFill/>
+        </p:spPr>
+        <p:txBody>
+          <a:bodyPr wrap="square" rtlCol="0">
+            <a:spAutoFit/>
+          </a:bodyPr>
+          <a:lstStyle/>
+          <a:p>
+            <a:r>
+              <a:rPr lang="en-US" dirty="0"/>
+              <a:t>Dataset 3 (label)</a:t>
+            </a:r>
+            <a:endParaRPr lang="en-IL" dirty="0"/>
+          </a:p>
+        </p:txBody>
+      </p:sp>
+      <p:pic>
+        <p:nvPicPr>
+          <p:cNvPr id="13" name="תמונה 12" descr="תמונה שמכילה טקסט&#10;&#10;התיאור נוצר באופן אוטומטי">
+            <a:extLst>
+              <a:ext uri="{FF2B5EF4-FFF2-40B4-BE49-F238E27FC236}">
+                <a16:creationId xmlns:a16="http://schemas.microsoft.com/office/drawing/2014/main" id="{A7D3F8C1-E188-839F-9758-8C7C810262B6}"/>
+              </a:ext>
+            </a:extLst>
+          </p:cNvPr>
+          <p:cNvPicPr>
+            <a:picLocks noChangeAspect="1"/>
+          </p:cNvPicPr>
+          <p:nvPr/>
+        </p:nvPicPr>
+        <p:blipFill rotWithShape="1">
+          <a:blip r:embed="rId2">
+            <a:extLst>
+              <a:ext uri="{28A0092B-C50C-407E-A947-70E740481C1C}">
+                <a14:useLocalDpi xmlns:a14="http://schemas.microsoft.com/office/drawing/2010/main" val="0"/>
+              </a:ext>
+            </a:extLst>
+          </a:blip>
+          <a:srcRect r="23619"/>
+          <a:stretch/>
+        </p:blipFill>
+        <p:spPr>
+          <a:xfrm>
+            <a:off x="641838" y="2023305"/>
+            <a:ext cx="3023576" cy="1695687"/>
+          </a:xfrm>
+          <a:prstGeom prst="rect">
+            <a:avLst/>
+          </a:prstGeom>
+        </p:spPr>
+      </p:pic>
+      <p:pic>
+        <p:nvPicPr>
+          <p:cNvPr id="15" name="תמונה 14" descr="תמונה שמכילה שולחן&#10;&#10;התיאור נוצר באופן אוטומטי">
+            <a:extLst>
+              <a:ext uri="{FF2B5EF4-FFF2-40B4-BE49-F238E27FC236}">
+                <a16:creationId xmlns:a16="http://schemas.microsoft.com/office/drawing/2014/main" id="{E3BE0F07-5CF9-DD63-A807-9CDAA14F6D79}"/>
+              </a:ext>
+            </a:extLst>
+          </p:cNvPr>
+          <p:cNvPicPr>
+            <a:picLocks noChangeAspect="1"/>
+          </p:cNvPicPr>
+          <p:nvPr/>
+        </p:nvPicPr>
+        <p:blipFill>
+          <a:blip r:embed="rId3">
+            <a:extLst>
+              <a:ext uri="{28A0092B-C50C-407E-A947-70E740481C1C}">
+                <a14:useLocalDpi xmlns:a14="http://schemas.microsoft.com/office/drawing/2010/main" val="0"/>
+              </a:ext>
+            </a:extLst>
+          </a:blip>
+          <a:stretch>
+            <a:fillRect/>
+          </a:stretch>
+        </p:blipFill>
+        <p:spPr>
+          <a:xfrm>
+            <a:off x="468923" y="4448377"/>
+            <a:ext cx="3196491" cy="1895501"/>
+          </a:xfrm>
+          <a:prstGeom prst="rect">
+            <a:avLst/>
+          </a:prstGeom>
+        </p:spPr>
+      </p:pic>
+      <p:pic>
+        <p:nvPicPr>
+          <p:cNvPr id="17" name="תמונה 16" descr="תמונה שמכילה שולחן&#10;&#10;התיאור נוצר באופן אוטומטי">
+            <a:extLst>
+              <a:ext uri="{FF2B5EF4-FFF2-40B4-BE49-F238E27FC236}">
+                <a16:creationId xmlns:a16="http://schemas.microsoft.com/office/drawing/2014/main" id="{7BC22251-518A-36BA-1678-97EBB1A1B3D6}"/>
+              </a:ext>
+            </a:extLst>
+          </p:cNvPr>
+          <p:cNvPicPr>
+            <a:picLocks noChangeAspect="1"/>
+          </p:cNvPicPr>
+          <p:nvPr/>
+        </p:nvPicPr>
+        <p:blipFill>
+          <a:blip r:embed="rId4">
+            <a:extLst>
+              <a:ext uri="{28A0092B-C50C-407E-A947-70E740481C1C}">
+                <a14:useLocalDpi xmlns:a14="http://schemas.microsoft.com/office/drawing/2010/main" val="0"/>
+              </a:ext>
+            </a:extLst>
+          </a:blip>
+          <a:stretch>
+            <a:fillRect/>
+          </a:stretch>
+        </p:blipFill>
+        <p:spPr>
+          <a:xfrm>
+            <a:off x="4281234" y="4379596"/>
+            <a:ext cx="3534268" cy="2089378"/>
+          </a:xfrm>
+          <a:prstGeom prst="rect">
+            <a:avLst/>
+          </a:prstGeom>
+        </p:spPr>
+      </p:pic>
+      <p:pic>
+        <p:nvPicPr>
+          <p:cNvPr id="19" name="תמונה 18" descr="תמונה שמכילה שולחן&#10;&#10;התיאור נוצר באופן אוטומטי">
+            <a:extLst>
+              <a:ext uri="{FF2B5EF4-FFF2-40B4-BE49-F238E27FC236}">
+                <a16:creationId xmlns:a16="http://schemas.microsoft.com/office/drawing/2014/main" id="{54984C15-B938-15C4-19C4-90F500462C87}"/>
+              </a:ext>
+            </a:extLst>
+          </p:cNvPr>
+          <p:cNvPicPr>
+            <a:picLocks noChangeAspect="1"/>
+          </p:cNvPicPr>
+          <p:nvPr/>
+        </p:nvPicPr>
+        <p:blipFill>
+          <a:blip r:embed="rId5">
+            <a:extLst>
+              <a:ext uri="{28A0092B-C50C-407E-A947-70E740481C1C}">
+                <a14:useLocalDpi xmlns:a14="http://schemas.microsoft.com/office/drawing/2010/main" val="0"/>
+              </a:ext>
+            </a:extLst>
+          </a:blip>
+          <a:stretch>
+            <a:fillRect/>
+          </a:stretch>
+        </p:blipFill>
+        <p:spPr>
+          <a:xfrm>
+            <a:off x="4281234" y="2023306"/>
+            <a:ext cx="3534268" cy="1695687"/>
+          </a:xfrm>
+          <a:prstGeom prst="rect">
+            <a:avLst/>
+          </a:prstGeom>
+        </p:spPr>
+      </p:pic>
+      <p:pic>
+        <p:nvPicPr>
+          <p:cNvPr id="21" name="תמונה 20" descr="תמונה שמכילה טקסט&#10;&#10;התיאור נוצר באופן אוטומטי">
+            <a:extLst>
+              <a:ext uri="{FF2B5EF4-FFF2-40B4-BE49-F238E27FC236}">
+                <a16:creationId xmlns:a16="http://schemas.microsoft.com/office/drawing/2014/main" id="{495A141E-9A50-3492-919B-9138EAE23A8E}"/>
+              </a:ext>
+            </a:extLst>
+          </p:cNvPr>
+          <p:cNvPicPr>
+            <a:picLocks noChangeAspect="1"/>
+          </p:cNvPicPr>
+          <p:nvPr/>
+        </p:nvPicPr>
+        <p:blipFill>
+          <a:blip r:embed="rId6">
+            <a:extLst>
+              <a:ext uri="{28A0092B-C50C-407E-A947-70E740481C1C}">
+                <a14:useLocalDpi xmlns:a14="http://schemas.microsoft.com/office/drawing/2010/main" val="0"/>
+              </a:ext>
+            </a:extLst>
+          </a:blip>
+          <a:stretch>
+            <a:fillRect/>
+          </a:stretch>
+        </p:blipFill>
+        <p:spPr>
+          <a:xfrm>
+            <a:off x="8601080" y="2023305"/>
+            <a:ext cx="3214303" cy="1695688"/>
+          </a:xfrm>
+          <a:prstGeom prst="rect">
+            <a:avLst/>
+          </a:prstGeom>
+        </p:spPr>
+      </p:pic>
+      <p:pic>
+        <p:nvPicPr>
+          <p:cNvPr id="23" name="תמונה 22" descr="תמונה שמכילה שולחן&#10;&#10;התיאור נוצר באופן אוטומטי">
+            <a:extLst>
+              <a:ext uri="{FF2B5EF4-FFF2-40B4-BE49-F238E27FC236}">
+                <a16:creationId xmlns:a16="http://schemas.microsoft.com/office/drawing/2014/main" id="{46F694D0-0860-782F-D3C9-A263348FEF4F}"/>
+              </a:ext>
+            </a:extLst>
+          </p:cNvPr>
+          <p:cNvPicPr>
+            <a:picLocks noChangeAspect="1"/>
+          </p:cNvPicPr>
+          <p:nvPr/>
+        </p:nvPicPr>
+        <p:blipFill>
+          <a:blip r:embed="rId7">
+            <a:extLst>
+              <a:ext uri="{28A0092B-C50C-407E-A947-70E740481C1C}">
+                <a14:useLocalDpi xmlns:a14="http://schemas.microsoft.com/office/drawing/2010/main" val="0"/>
+              </a:ext>
+            </a:extLst>
+          </a:blip>
+          <a:stretch>
+            <a:fillRect/>
+          </a:stretch>
+        </p:blipFill>
+        <p:spPr>
+          <a:xfrm>
+            <a:off x="8431322" y="4379596"/>
+            <a:ext cx="3384061" cy="2089378"/>
+          </a:xfrm>
+          <a:prstGeom prst="rect">
+            <a:avLst/>
+          </a:prstGeom>
+        </p:spPr>
+      </p:pic>
+    </p:spTree>
+    <p:extLst>
+      <p:ext uri="{BB962C8B-B14F-4D97-AF65-F5344CB8AC3E}">
+        <p14:creationId xmlns:p14="http://schemas.microsoft.com/office/powerpoint/2010/main" val="2424838089"/>
+      </p:ext>
+    </p:extLst>
+  </p:cSld>
+  <p:clrMapOvr>
+    <a:masterClrMapping/>
+  </p:clrMapOvr>
+</p:sld>
+</file>
+
 <file path=ppt/theme/theme1.xml><?xml version="1.0" encoding="utf-8"?>
 <a:theme xmlns:a="http://schemas.openxmlformats.org/drawingml/2006/main" name="Vapor Trail">
   <a:themeElements>
